--- a/docs/dev/AbeilleOverview.pptx
+++ b/docs/dev/AbeilleOverview.pptx
@@ -6,8 +6,9 @@
   </p:sldMasterIdLst>
   <p:sldIdLst>
     <p:sldId id="256" r:id="rId2"/>
-    <p:sldId id="257" r:id="rId3"/>
-    <p:sldId id="258" r:id="rId4"/>
+    <p:sldId id="259" r:id="rId3"/>
+    <p:sldId id="257" r:id="rId4"/>
+    <p:sldId id="258" r:id="rId5"/>
   </p:sldIdLst>
   <p:sldSz cx="12192000" cy="6858000"/>
   <p:notesSz cx="6858000" cy="9144000"/>
@@ -263,7 +264,7 @@
           <a:p>
             <a:fld id="{B9A13FA5-7E07-42FF-AB3C-56EE6FF21E87}" type="datetimeFigureOut">
               <a:rPr lang="fr-FR" smtClean="0"/>
-              <a:t>07/07/2025</a:t>
+              <a:t>06/11/2025</a:t>
             </a:fld>
             <a:endParaRPr lang="fr-FR"/>
           </a:p>
@@ -463,7 +464,7 @@
           <a:p>
             <a:fld id="{B9A13FA5-7E07-42FF-AB3C-56EE6FF21E87}" type="datetimeFigureOut">
               <a:rPr lang="fr-FR" smtClean="0"/>
-              <a:t>07/07/2025</a:t>
+              <a:t>06/11/2025</a:t>
             </a:fld>
             <a:endParaRPr lang="fr-FR"/>
           </a:p>
@@ -673,7 +674,7 @@
           <a:p>
             <a:fld id="{B9A13FA5-7E07-42FF-AB3C-56EE6FF21E87}" type="datetimeFigureOut">
               <a:rPr lang="fr-FR" smtClean="0"/>
-              <a:t>07/07/2025</a:t>
+              <a:t>06/11/2025</a:t>
             </a:fld>
             <a:endParaRPr lang="fr-FR"/>
           </a:p>
@@ -873,7 +874,7 @@
           <a:p>
             <a:fld id="{B9A13FA5-7E07-42FF-AB3C-56EE6FF21E87}" type="datetimeFigureOut">
               <a:rPr lang="fr-FR" smtClean="0"/>
-              <a:t>07/07/2025</a:t>
+              <a:t>06/11/2025</a:t>
             </a:fld>
             <a:endParaRPr lang="fr-FR"/>
           </a:p>
@@ -1149,7 +1150,7 @@
           <a:p>
             <a:fld id="{B9A13FA5-7E07-42FF-AB3C-56EE6FF21E87}" type="datetimeFigureOut">
               <a:rPr lang="fr-FR" smtClean="0"/>
-              <a:t>07/07/2025</a:t>
+              <a:t>06/11/2025</a:t>
             </a:fld>
             <a:endParaRPr lang="fr-FR"/>
           </a:p>
@@ -1417,7 +1418,7 @@
           <a:p>
             <a:fld id="{B9A13FA5-7E07-42FF-AB3C-56EE6FF21E87}" type="datetimeFigureOut">
               <a:rPr lang="fr-FR" smtClean="0"/>
-              <a:t>07/07/2025</a:t>
+              <a:t>06/11/2025</a:t>
             </a:fld>
             <a:endParaRPr lang="fr-FR"/>
           </a:p>
@@ -1832,7 +1833,7 @@
           <a:p>
             <a:fld id="{B9A13FA5-7E07-42FF-AB3C-56EE6FF21E87}" type="datetimeFigureOut">
               <a:rPr lang="fr-FR" smtClean="0"/>
-              <a:t>07/07/2025</a:t>
+              <a:t>06/11/2025</a:t>
             </a:fld>
             <a:endParaRPr lang="fr-FR"/>
           </a:p>
@@ -1974,7 +1975,7 @@
           <a:p>
             <a:fld id="{B9A13FA5-7E07-42FF-AB3C-56EE6FF21E87}" type="datetimeFigureOut">
               <a:rPr lang="fr-FR" smtClean="0"/>
-              <a:t>07/07/2025</a:t>
+              <a:t>06/11/2025</a:t>
             </a:fld>
             <a:endParaRPr lang="fr-FR"/>
           </a:p>
@@ -2087,7 +2088,7 @@
           <a:p>
             <a:fld id="{B9A13FA5-7E07-42FF-AB3C-56EE6FF21E87}" type="datetimeFigureOut">
               <a:rPr lang="fr-FR" smtClean="0"/>
-              <a:t>07/07/2025</a:t>
+              <a:t>06/11/2025</a:t>
             </a:fld>
             <a:endParaRPr lang="fr-FR"/>
           </a:p>
@@ -2400,7 +2401,7 @@
           <a:p>
             <a:fld id="{B9A13FA5-7E07-42FF-AB3C-56EE6FF21E87}" type="datetimeFigureOut">
               <a:rPr lang="fr-FR" smtClean="0"/>
-              <a:t>07/07/2025</a:t>
+              <a:t>06/11/2025</a:t>
             </a:fld>
             <a:endParaRPr lang="fr-FR"/>
           </a:p>
@@ -2689,7 +2690,7 @@
           <a:p>
             <a:fld id="{B9A13FA5-7E07-42FF-AB3C-56EE6FF21E87}" type="datetimeFigureOut">
               <a:rPr lang="fr-FR" smtClean="0"/>
-              <a:t>07/07/2025</a:t>
+              <a:t>06/11/2025</a:t>
             </a:fld>
             <a:endParaRPr lang="fr-FR"/>
           </a:p>
@@ -2932,7 +2933,7 @@
           <a:p>
             <a:fld id="{B9A13FA5-7E07-42FF-AB3C-56EE6FF21E87}" type="datetimeFigureOut">
               <a:rPr lang="fr-FR" smtClean="0"/>
-              <a:t>07/07/2025</a:t>
+              <a:t>06/11/2025</a:t>
             </a:fld>
             <a:endParaRPr lang="fr-FR"/>
           </a:p>
@@ -3424,7 +3425,7 @@
             </a:r>
             <a:fld id="{97C6558E-CB47-4BAE-88F9-1DD6B61DA894}" type="datetime3">
               <a:rPr lang="en-US" smtClean="0"/>
-              <a:t>7 July 2025</a:t>
+              <a:t>6 November 2025</a:t>
             </a:fld>
             <a:endParaRPr lang="fr-FR" dirty="0"/>
           </a:p>
@@ -3465,6 +3466,128 @@
           <p:cNvPr id="2" name="Title 1">
             <a:extLst>
               <a:ext uri="{FF2B5EF4-FFF2-40B4-BE49-F238E27FC236}">
+                <a16:creationId xmlns:a16="http://schemas.microsoft.com/office/drawing/2014/main" id="{AA847E0D-F1B3-5E88-2EE7-E6D421AEFE14}"/>
+              </a:ext>
+            </a:extLst>
+          </p:cNvPr>
+          <p:cNvSpPr>
+            <a:spLocks noGrp="1"/>
+          </p:cNvSpPr>
+          <p:nvPr>
+            <p:ph type="title"/>
+          </p:nvPr>
+        </p:nvSpPr>
+        <p:spPr/>
+        <p:txBody>
+          <a:bodyPr/>
+          <a:lstStyle/>
+          <a:p>
+            <a:endParaRPr lang="fr-FR"/>
+          </a:p>
+        </p:txBody>
+      </p:sp>
+      <p:sp>
+        <p:nvSpPr>
+          <p:cNvPr id="3" name="Content Placeholder 2">
+            <a:extLst>
+              <a:ext uri="{FF2B5EF4-FFF2-40B4-BE49-F238E27FC236}">
+                <a16:creationId xmlns:a16="http://schemas.microsoft.com/office/drawing/2014/main" id="{9FB11E9B-B412-0C0C-A744-F2B2C63F96F6}"/>
+              </a:ext>
+            </a:extLst>
+          </p:cNvPr>
+          <p:cNvSpPr>
+            <a:spLocks noGrp="1"/>
+          </p:cNvSpPr>
+          <p:nvPr>
+            <p:ph idx="1"/>
+          </p:nvPr>
+        </p:nvSpPr>
+        <p:spPr/>
+        <p:txBody>
+          <a:bodyPr/>
+          <a:lstStyle/>
+          <a:p>
+            <a:r>
+              <a:rPr lang="fr-FR" dirty="0"/>
+              <a:t>Up to 6 </a:t>
+            </a:r>
+            <a:r>
+              <a:rPr lang="fr-FR" dirty="0" err="1"/>
+              <a:t>gateways</a:t>
+            </a:r>
+            <a:r>
+              <a:rPr lang="fr-FR" dirty="0"/>
+              <a:t> </a:t>
+            </a:r>
+            <a:r>
+              <a:rPr lang="fr-FR" dirty="0" err="1"/>
+              <a:t>supported</a:t>
+            </a:r>
+            <a:endParaRPr lang="fr-FR" dirty="0"/>
+          </a:p>
+          <a:p>
+            <a:r>
+              <a:rPr lang="fr-FR" dirty="0" err="1"/>
+              <a:t>Currently</a:t>
+            </a:r>
+            <a:r>
+              <a:rPr lang="fr-FR" dirty="0"/>
+              <a:t> </a:t>
+            </a:r>
+            <a:r>
+              <a:rPr lang="fr-FR" dirty="0" err="1"/>
+              <a:t>only</a:t>
+            </a:r>
+            <a:r>
+              <a:rPr lang="fr-FR" dirty="0"/>
+              <a:t> </a:t>
+            </a:r>
+            <a:r>
+              <a:rPr lang="fr-FR" dirty="0" err="1"/>
+              <a:t>Zigate</a:t>
+            </a:r>
+            <a:r>
+              <a:rPr lang="fr-FR" dirty="0"/>
+              <a:t> type (USB, PI, DIN or WIFI)</a:t>
+            </a:r>
+          </a:p>
+        </p:txBody>
+      </p:sp>
+    </p:spTree>
+    <p:extLst>
+      <p:ext uri="{BB962C8B-B14F-4D97-AF65-F5344CB8AC3E}">
+        <p14:creationId xmlns:p14="http://schemas.microsoft.com/office/powerpoint/2010/main" val="186619227"/>
+      </p:ext>
+    </p:extLst>
+  </p:cSld>
+  <p:clrMapOvr>
+    <a:masterClrMapping/>
+  </p:clrMapOvr>
+</p:sld>
+</file>
+
+<file path=ppt/slides/slide3.xml><?xml version="1.0" encoding="utf-8"?>
+<p:sld xmlns:a="http://schemas.openxmlformats.org/drawingml/2006/main" xmlns:r="http://schemas.openxmlformats.org/officeDocument/2006/relationships" xmlns:p="http://schemas.openxmlformats.org/presentationml/2006/main">
+  <p:cSld>
+    <p:spTree>
+      <p:nvGrpSpPr>
+        <p:cNvPr id="1" name=""/>
+        <p:cNvGrpSpPr/>
+        <p:nvPr/>
+      </p:nvGrpSpPr>
+      <p:grpSpPr>
+        <a:xfrm>
+          <a:off x="0" y="0"/>
+          <a:ext cx="0" cy="0"/>
+          <a:chOff x="0" y="0"/>
+          <a:chExt cx="0" cy="0"/>
+        </a:xfrm>
+      </p:grpSpPr>
+      <p:sp>
+        <p:nvSpPr>
+          <p:cNvPr id="2" name="Title 1">
+            <a:extLst>
+              <a:ext uri="{FF2B5EF4-FFF2-40B4-BE49-F238E27FC236}">
                 <a16:creationId xmlns:a16="http://schemas.microsoft.com/office/drawing/2014/main" id="{79EEF4A2-036C-60C6-2787-52813A2603DB}"/>
               </a:ext>
             </a:extLst>
@@ -3502,6 +3625,22 @@
               <a:rPr lang="fr-FR" dirty="0" err="1"/>
               <a:t>view</a:t>
             </a:r>
+            <a:r>
+              <a:rPr lang="fr-FR" dirty="0"/>
+              <a:t> </a:t>
+            </a:r>
+            <a:r>
+              <a:rPr lang="fr-FR" dirty="0" err="1"/>
+              <a:t>with</a:t>
+            </a:r>
+            <a:r>
+              <a:rPr lang="fr-FR" dirty="0"/>
+              <a:t> </a:t>
+            </a:r>
+            <a:r>
+              <a:rPr lang="fr-FR" dirty="0" err="1"/>
+              <a:t>example</a:t>
+            </a:r>
             <a:endParaRPr lang="fr-FR" dirty="0"/>
           </a:p>
         </p:txBody>
@@ -3520,8 +3659,8 @@
         </p:nvSpPr>
         <p:spPr>
           <a:xfrm>
-            <a:off x="5724935" y="3622981"/>
-            <a:ext cx="961615" cy="955220"/>
+            <a:off x="5625755" y="3622981"/>
+            <a:ext cx="1060795" cy="955220"/>
           </a:xfrm>
           <a:prstGeom prst="rect">
             <a:avLst/>
@@ -3541,7 +3680,7 @@
           <a:p>
             <a:r>
               <a:rPr lang="fr-FR" dirty="0" err="1"/>
-              <a:t>Parser</a:t>
+              <a:t>ParserD</a:t>
             </a:r>
             <a:endParaRPr lang="fr-FR" dirty="0"/>
           </a:p>
@@ -3581,9 +3720,10 @@
           <a:lstStyle/>
           <a:p>
             <a:r>
-              <a:rPr lang="fr-FR" dirty="0"/>
-              <a:t>Cmd</a:t>
-            </a:r>
+              <a:rPr lang="fr-FR" dirty="0" err="1"/>
+              <a:t>CmdD</a:t>
+            </a:r>
+            <a:endParaRPr lang="fr-FR" dirty="0"/>
           </a:p>
         </p:txBody>
       </p:sp>
@@ -3676,7 +3816,7 @@
           <a:p>
             <a:r>
               <a:rPr lang="fr-FR" dirty="0"/>
-              <a:t>Wifi</a:t>
+              <a:t>(Wifi)</a:t>
             </a:r>
           </a:p>
         </p:txBody>
@@ -3695,8 +3835,8 @@
         </p:nvSpPr>
         <p:spPr>
           <a:xfrm>
-            <a:off x="7889357" y="4770219"/>
-            <a:ext cx="961615" cy="955220"/>
+            <a:off x="7831731" y="5073246"/>
+            <a:ext cx="1260433" cy="374279"/>
           </a:xfrm>
           <a:prstGeom prst="rect">
             <a:avLst/>
@@ -3736,8 +3876,8 @@
         </p:nvSpPr>
         <p:spPr>
           <a:xfrm>
-            <a:off x="9170707" y="4770219"/>
-            <a:ext cx="961615" cy="955220"/>
+            <a:off x="9325484" y="4770219"/>
+            <a:ext cx="806838" cy="955220"/>
           </a:xfrm>
           <a:prstGeom prst="rect">
             <a:avLst/>
@@ -3777,8 +3917,8 @@
         </p:nvSpPr>
         <p:spPr>
           <a:xfrm>
-            <a:off x="7889357" y="1114270"/>
-            <a:ext cx="961615" cy="955220"/>
+            <a:off x="8044134" y="1413886"/>
+            <a:ext cx="1281350" cy="355988"/>
           </a:xfrm>
           <a:prstGeom prst="rect">
             <a:avLst/>
@@ -3792,7 +3932,7 @@
         </p:spPr>
         <p:txBody>
           <a:bodyPr wrap="square" rtlCol="0">
-            <a:normAutofit/>
+            <a:normAutofit lnSpcReduction="10000"/>
           </a:bodyPr>
           <a:lstStyle/>
           <a:p>
@@ -3814,6 +3954,7 @@
             </a:extLst>
           </p:cNvPr>
           <p:cNvCxnSpPr>
+            <a:cxnSpLocks/>
             <a:stCxn id="6" idx="1"/>
             <a:endCxn id="10" idx="3"/>
           </p:cNvCxnSpPr>
@@ -3821,8 +3962,8 @@
         </p:nvCxnSpPr>
         <p:spPr>
           <a:xfrm flipH="1">
-            <a:off x="8850972" y="1591880"/>
-            <a:ext cx="1601085" cy="0"/>
+            <a:off x="9325484" y="1591880"/>
+            <a:ext cx="1126573" cy="0"/>
           </a:xfrm>
           <a:prstGeom prst="straightConnector1">
             <a:avLst/>
@@ -3856,6 +3997,7 @@
             </a:extLst>
           </p:cNvPr>
           <p:cNvCxnSpPr>
+            <a:cxnSpLocks/>
             <a:stCxn id="10" idx="1"/>
             <a:endCxn id="4" idx="3"/>
           </p:cNvCxnSpPr>
@@ -3864,7 +4006,7 @@
         <p:spPr>
           <a:xfrm flipH="1">
             <a:off x="6686550" y="1591880"/>
-            <a:ext cx="1202807" cy="2508711"/>
+            <a:ext cx="1357584" cy="2508711"/>
           </a:xfrm>
           <a:prstGeom prst="straightConnector1">
             <a:avLst/>
@@ -3898,6 +4040,7 @@
             </a:extLst>
           </p:cNvPr>
           <p:cNvCxnSpPr>
+            <a:cxnSpLocks/>
             <a:stCxn id="7" idx="1"/>
             <a:endCxn id="9" idx="3"/>
           </p:cNvCxnSpPr>
@@ -3940,6 +4083,7 @@
             </a:extLst>
           </p:cNvPr>
           <p:cNvCxnSpPr>
+            <a:cxnSpLocks/>
             <a:stCxn id="9" idx="1"/>
             <a:endCxn id="8" idx="3"/>
           </p:cNvCxnSpPr>
@@ -3947,8 +4091,8 @@
         </p:nvCxnSpPr>
         <p:spPr>
           <a:xfrm flipH="1">
-            <a:off x="8850972" y="5247829"/>
-            <a:ext cx="319735" cy="0"/>
+            <a:off x="9092164" y="5247829"/>
+            <a:ext cx="233320" cy="12557"/>
           </a:xfrm>
           <a:prstGeom prst="straightConnector1">
             <a:avLst/>
@@ -3982,6 +4126,7 @@
             </a:extLst>
           </p:cNvPr>
           <p:cNvCxnSpPr>
+            <a:cxnSpLocks/>
             <a:stCxn id="8" idx="1"/>
             <a:endCxn id="4" idx="3"/>
           </p:cNvCxnSpPr>
@@ -3990,7 +4135,7 @@
         <p:spPr>
           <a:xfrm flipH="1" flipV="1">
             <a:off x="6686550" y="4100591"/>
-            <a:ext cx="1202807" cy="1147238"/>
+            <a:ext cx="1145181" cy="1159795"/>
           </a:xfrm>
           <a:prstGeom prst="straightConnector1">
             <a:avLst/>
@@ -4066,6 +4211,7 @@
             </a:extLst>
           </p:cNvPr>
           <p:cNvCxnSpPr>
+            <a:cxnSpLocks/>
             <a:stCxn id="5" idx="3"/>
             <a:endCxn id="9" idx="0"/>
           </p:cNvCxnSpPr>
@@ -4074,7 +4220,7 @@
         <p:spPr>
           <a:xfrm>
             <a:off x="6686549" y="2757409"/>
-            <a:ext cx="2964966" cy="2012810"/>
+            <a:ext cx="3042354" cy="2012810"/>
           </a:xfrm>
           <a:prstGeom prst="straightConnector1">
             <a:avLst/>
@@ -4271,6 +4417,7 @@
             </a:extLst>
           </p:cNvPr>
           <p:cNvCxnSpPr>
+            <a:cxnSpLocks/>
             <a:stCxn id="4" idx="1"/>
             <a:endCxn id="34" idx="3"/>
           </p:cNvCxnSpPr>
@@ -4279,7 +4426,7 @@
         <p:spPr>
           <a:xfrm flipH="1" flipV="1">
             <a:off x="4664140" y="4096667"/>
-            <a:ext cx="1060795" cy="3924"/>
+            <a:ext cx="961615" cy="3924"/>
           </a:xfrm>
           <a:prstGeom prst="straightConnector1">
             <a:avLst/>
@@ -4386,6 +4533,85 @@
           </a:fontRef>
         </p:style>
       </p:cxnSp>
+      <p:sp>
+        <p:nvSpPr>
+          <p:cNvPr id="55" name="TextBox 54">
+            <a:extLst>
+              <a:ext uri="{FF2B5EF4-FFF2-40B4-BE49-F238E27FC236}">
+                <a16:creationId xmlns:a16="http://schemas.microsoft.com/office/drawing/2014/main" id="{08CB2B43-6234-4311-4157-8027DD857E45}"/>
+              </a:ext>
+            </a:extLst>
+          </p:cNvPr>
+          <p:cNvSpPr txBox="1"/>
+          <p:nvPr/>
+        </p:nvSpPr>
+        <p:spPr>
+          <a:xfrm>
+            <a:off x="10452057" y="2148858"/>
+            <a:ext cx="961615" cy="955220"/>
+          </a:xfrm>
+          <a:prstGeom prst="rect">
+            <a:avLst/>
+          </a:prstGeom>
+          <a:noFill/>
+          <a:ln>
+            <a:solidFill>
+              <a:schemeClr val="accent1"/>
+            </a:solidFill>
+          </a:ln>
+        </p:spPr>
+        <p:txBody>
+          <a:bodyPr wrap="square" rtlCol="0">
+            <a:normAutofit/>
+          </a:bodyPr>
+          <a:lstStyle/>
+          <a:p>
+            <a:r>
+              <a:rPr lang="fr-FR" dirty="0" err="1"/>
+              <a:t>Zigate</a:t>
+            </a:r>
+            <a:r>
+              <a:rPr lang="fr-FR" dirty="0"/>
+              <a:t> 2</a:t>
+            </a:r>
+          </a:p>
+        </p:txBody>
+      </p:sp>
+      <p:sp>
+        <p:nvSpPr>
+          <p:cNvPr id="57" name="TextBox 56">
+            <a:extLst>
+              <a:ext uri="{FF2B5EF4-FFF2-40B4-BE49-F238E27FC236}">
+                <a16:creationId xmlns:a16="http://schemas.microsoft.com/office/drawing/2014/main" id="{D1DC9F08-1626-2926-985A-AE303AEA50EE}"/>
+              </a:ext>
+            </a:extLst>
+          </p:cNvPr>
+          <p:cNvSpPr txBox="1"/>
+          <p:nvPr/>
+        </p:nvSpPr>
+        <p:spPr>
+          <a:xfrm rot="5400000">
+            <a:off x="10341873" y="3713316"/>
+            <a:ext cx="1352595" cy="369332"/>
+          </a:xfrm>
+          <a:prstGeom prst="rect">
+            <a:avLst/>
+          </a:prstGeom>
+          <a:noFill/>
+        </p:spPr>
+        <p:txBody>
+          <a:bodyPr wrap="square" rtlCol="0">
+            <a:spAutoFit/>
+          </a:bodyPr>
+          <a:lstStyle/>
+          <a:p>
+            <a:r>
+              <a:rPr lang="fr-FR" dirty="0"/>
+              <a:t>………………</a:t>
+            </a:r>
+          </a:p>
+        </p:txBody>
+      </p:sp>
     </p:spTree>
     <p:extLst>
       <p:ext uri="{BB962C8B-B14F-4D97-AF65-F5344CB8AC3E}">
@@ -4399,7 +4625,7 @@
 </p:sld>
 </file>
 
-<file path=ppt/slides/slide3.xml><?xml version="1.0" encoding="utf-8"?>
+<file path=ppt/slides/slide4.xml><?xml version="1.0" encoding="utf-8"?>
 <p:sld xmlns:a="http://schemas.openxmlformats.org/drawingml/2006/main" xmlns:r="http://schemas.openxmlformats.org/officeDocument/2006/relationships" xmlns:p="http://schemas.openxmlformats.org/presentationml/2006/main">
   <p:cSld>
     <p:spTree>
@@ -4461,6 +4687,44 @@
         <p:txBody>
           <a:bodyPr/>
           <a:lstStyle/>
+          <a:p>
+            <a:r>
+              <a:rPr lang="fr-FR" dirty="0" err="1"/>
+              <a:t>MainD</a:t>
+            </a:r>
+            <a:br>
+              <a:rPr lang="fr-FR" dirty="0"/>
+            </a:br>
+            <a:r>
+              <a:rPr lang="fr-FR" dirty="0" err="1"/>
+              <a:t>Get</a:t>
+            </a:r>
+            <a:r>
+              <a:rPr lang="fr-FR" dirty="0"/>
+              <a:t> </a:t>
+            </a:r>
+            <a:r>
+              <a:rPr lang="fr-FR" dirty="0" err="1"/>
+              <a:t>equipment</a:t>
+            </a:r>
+            <a:r>
+              <a:rPr lang="fr-FR" dirty="0"/>
+              <a:t> infos and update </a:t>
+            </a:r>
+            <a:r>
+              <a:rPr lang="fr-FR" dirty="0" err="1"/>
+              <a:t>Jeedom</a:t>
+            </a:r>
+            <a:r>
+              <a:rPr lang="fr-FR" dirty="0"/>
+              <a:t> DB if </a:t>
+            </a:r>
+            <a:r>
+              <a:rPr lang="fr-FR" dirty="0" err="1"/>
+              <a:t>required</a:t>
+            </a:r>
+            <a:endParaRPr lang="fr-FR" dirty="0"/>
+          </a:p>
           <a:p>
             <a:r>
               <a:rPr lang="fr-FR" dirty="0" err="1"/>
